--- a/Project2-WebScraping/DraceZhan/Slides/Web Scraping and EDA on Indeed.com.pptx
+++ b/Project2-WebScraping/DraceZhan/Slides/Web Scraping and EDA on Indeed.com.pptx
@@ -19,23 +19,25 @@
     <p:sldId id="264" r:id="rId13"/>
     <p:sldId id="265" r:id="rId14"/>
     <p:sldId id="266" r:id="rId15"/>
+    <p:sldId id="267" r:id="rId16"/>
+    <p:sldId id="268" r:id="rId17"/>
   </p:sldIdLst>
   <p:sldSz cy="5143500" cx="9144000"/>
   <p:notesSz cx="6858000" cy="9144000"/>
   <p:embeddedFontLst>
     <p:embeddedFont>
       <p:font typeface="Economica"/>
-      <p:regular r:id="rId16"/>
-      <p:bold r:id="rId17"/>
-      <p:italic r:id="rId18"/>
-      <p:boldItalic r:id="rId19"/>
+      <p:regular r:id="rId18"/>
+      <p:bold r:id="rId19"/>
+      <p:italic r:id="rId20"/>
+      <p:boldItalic r:id="rId21"/>
     </p:embeddedFont>
     <p:embeddedFont>
       <p:font typeface="Open Sans"/>
-      <p:regular r:id="rId20"/>
-      <p:bold r:id="rId21"/>
-      <p:italic r:id="rId22"/>
-      <p:boldItalic r:id="rId23"/>
+      <p:regular r:id="rId22"/>
+      <p:bold r:id="rId23"/>
+      <p:italic r:id="rId24"/>
+      <p:boldItalic r:id="rId25"/>
     </p:embeddedFont>
   </p:embeddedFontLst>
   <p:defaultTextStyle>
@@ -492,7 +494,7 @@
   <p:cSld>
     <p:spTree>
       <p:nvGrpSpPr>
-        <p:cNvPr id="115" name="Shape 115"/>
+        <p:cNvPr id="116" name="Shape 116"/>
         <p:cNvGrpSpPr/>
         <p:nvPr/>
       </p:nvGrpSpPr>
@@ -506,7 +508,7 @@
       </p:grpSpPr>
       <p:sp>
         <p:nvSpPr>
-          <p:cNvPr id="116" name="Shape 116"/>
+          <p:cNvPr id="117" name="Shape 117"/>
           <p:cNvSpPr/>
           <p:nvPr>
             <p:ph idx="2" type="sldImg"/>
@@ -540,7 +542,7 @@
       </p:sp>
       <p:sp>
         <p:nvSpPr>
-          <p:cNvPr id="117" name="Shape 117"/>
+          <p:cNvPr id="118" name="Shape 118"/>
           <p:cNvSpPr txBox="1"/>
           <p:nvPr>
             <p:ph idx="1" type="body"/>
@@ -587,7 +589,7 @@
   <p:cSld>
     <p:spTree>
       <p:nvGrpSpPr>
-        <p:cNvPr id="121" name="Shape 121"/>
+        <p:cNvPr id="122" name="Shape 122"/>
         <p:cNvGrpSpPr/>
         <p:nvPr/>
       </p:nvGrpSpPr>
@@ -601,7 +603,7 @@
       </p:grpSpPr>
       <p:sp>
         <p:nvSpPr>
-          <p:cNvPr id="122" name="Shape 122"/>
+          <p:cNvPr id="123" name="Shape 123"/>
           <p:cNvSpPr/>
           <p:nvPr>
             <p:ph idx="2" type="sldImg"/>
@@ -635,7 +637,7 @@
       </p:sp>
       <p:sp>
         <p:nvSpPr>
-          <p:cNvPr id="123" name="Shape 123"/>
+          <p:cNvPr id="124" name="Shape 124"/>
           <p:cNvSpPr txBox="1"/>
           <p:nvPr>
             <p:ph idx="1" type="body"/>
@@ -677,12 +679,12 @@
 </p:notes>
 </file>
 
-<file path=ppt/notesSlides/notesSlide2.xml><?xml version="1.0" encoding="utf-8"?>
+<file path=ppt/notesSlides/notesSlide12.xml><?xml version="1.0" encoding="utf-8"?>
 <p:notes xmlns:a="http://schemas.openxmlformats.org/drawingml/2006/main" xmlns:r="http://schemas.openxmlformats.org/officeDocument/2006/relationships" xmlns:mc="http://schemas.openxmlformats.org/markup-compatibility/2006" xmlns:mv="urn:schemas-microsoft-com:mac:vml" xmlns:p="http://schemas.openxmlformats.org/presentationml/2006/main" xmlns:c="http://schemas.openxmlformats.org/drawingml/2006/chart" xmlns:dgm="http://schemas.openxmlformats.org/drawingml/2006/diagram" xmlns:o="urn:schemas-microsoft-com:office:office" xmlns:v="urn:schemas-microsoft-com:vml" xmlns:pvml="urn:schemas-microsoft-com:office:powerpoint" xmlns:com="http://schemas.openxmlformats.org/drawingml/2006/compatibility" xmlns:p14="http://schemas.microsoft.com/office/powerpoint/2010/main" showMasterPhAnim="0" showMasterSp="0">
   <p:cSld>
     <p:spTree>
       <p:nvGrpSpPr>
-        <p:cNvPr id="64" name="Shape 64"/>
+        <p:cNvPr id="128" name="Shape 128"/>
         <p:cNvGrpSpPr/>
         <p:nvPr/>
       </p:nvGrpSpPr>
@@ -696,7 +698,7 @@
       </p:grpSpPr>
       <p:sp>
         <p:nvSpPr>
-          <p:cNvPr id="65" name="Shape 65"/>
+          <p:cNvPr id="129" name="Shape 129"/>
           <p:cNvSpPr/>
           <p:nvPr>
             <p:ph idx="2" type="sldImg"/>
@@ -730,7 +732,7 @@
       </p:sp>
       <p:sp>
         <p:nvSpPr>
-          <p:cNvPr id="66" name="Shape 66"/>
+          <p:cNvPr id="130" name="Shape 130"/>
           <p:cNvSpPr txBox="1"/>
           <p:nvPr>
             <p:ph idx="1" type="body"/>
@@ -772,12 +774,12 @@
 </p:notes>
 </file>
 
-<file path=ppt/notesSlides/notesSlide3.xml><?xml version="1.0" encoding="utf-8"?>
+<file path=ppt/notesSlides/notesSlide13.xml><?xml version="1.0" encoding="utf-8"?>
 <p:notes xmlns:a="http://schemas.openxmlformats.org/drawingml/2006/main" xmlns:r="http://schemas.openxmlformats.org/officeDocument/2006/relationships" xmlns:mc="http://schemas.openxmlformats.org/markup-compatibility/2006" xmlns:mv="urn:schemas-microsoft-com:mac:vml" xmlns:p="http://schemas.openxmlformats.org/presentationml/2006/main" xmlns:c="http://schemas.openxmlformats.org/drawingml/2006/chart" xmlns:dgm="http://schemas.openxmlformats.org/drawingml/2006/diagram" xmlns:o="urn:schemas-microsoft-com:office:office" xmlns:v="urn:schemas-microsoft-com:vml" xmlns:pvml="urn:schemas-microsoft-com:office:powerpoint" xmlns:com="http://schemas.openxmlformats.org/drawingml/2006/compatibility" xmlns:p14="http://schemas.microsoft.com/office/powerpoint/2010/main" showMasterPhAnim="0" showMasterSp="0">
   <p:cSld>
     <p:spTree>
       <p:nvGrpSpPr>
-        <p:cNvPr id="70" name="Shape 70"/>
+        <p:cNvPr id="135" name="Shape 135"/>
         <p:cNvGrpSpPr/>
         <p:nvPr/>
       </p:nvGrpSpPr>
@@ -791,7 +793,7 @@
       </p:grpSpPr>
       <p:sp>
         <p:nvSpPr>
-          <p:cNvPr id="71" name="Shape 71"/>
+          <p:cNvPr id="136" name="Shape 136"/>
           <p:cNvSpPr/>
           <p:nvPr>
             <p:ph idx="2" type="sldImg"/>
@@ -825,7 +827,7 @@
       </p:sp>
       <p:sp>
         <p:nvSpPr>
-          <p:cNvPr id="72" name="Shape 72"/>
+          <p:cNvPr id="137" name="Shape 137"/>
           <p:cNvSpPr txBox="1"/>
           <p:nvPr>
             <p:ph idx="1" type="body"/>
@@ -867,12 +869,12 @@
 </p:notes>
 </file>
 
-<file path=ppt/notesSlides/notesSlide4.xml><?xml version="1.0" encoding="utf-8"?>
+<file path=ppt/notesSlides/notesSlide2.xml><?xml version="1.0" encoding="utf-8"?>
 <p:notes xmlns:a="http://schemas.openxmlformats.org/drawingml/2006/main" xmlns:r="http://schemas.openxmlformats.org/officeDocument/2006/relationships" xmlns:mc="http://schemas.openxmlformats.org/markup-compatibility/2006" xmlns:mv="urn:schemas-microsoft-com:mac:vml" xmlns:p="http://schemas.openxmlformats.org/presentationml/2006/main" xmlns:c="http://schemas.openxmlformats.org/drawingml/2006/chart" xmlns:dgm="http://schemas.openxmlformats.org/drawingml/2006/diagram" xmlns:o="urn:schemas-microsoft-com:office:office" xmlns:v="urn:schemas-microsoft-com:vml" xmlns:pvml="urn:schemas-microsoft-com:office:powerpoint" xmlns:com="http://schemas.openxmlformats.org/drawingml/2006/compatibility" xmlns:p14="http://schemas.microsoft.com/office/powerpoint/2010/main" showMasterPhAnim="0" showMasterSp="0">
   <p:cSld>
     <p:spTree>
       <p:nvGrpSpPr>
-        <p:cNvPr id="76" name="Shape 76"/>
+        <p:cNvPr id="65" name="Shape 65"/>
         <p:cNvGrpSpPr/>
         <p:nvPr/>
       </p:nvGrpSpPr>
@@ -886,7 +888,7 @@
       </p:grpSpPr>
       <p:sp>
         <p:nvSpPr>
-          <p:cNvPr id="77" name="Shape 77"/>
+          <p:cNvPr id="66" name="Shape 66"/>
           <p:cNvSpPr/>
           <p:nvPr>
             <p:ph idx="2" type="sldImg"/>
@@ -920,7 +922,7 @@
       </p:sp>
       <p:sp>
         <p:nvSpPr>
-          <p:cNvPr id="78" name="Shape 78"/>
+          <p:cNvPr id="67" name="Shape 67"/>
           <p:cNvSpPr txBox="1"/>
           <p:nvPr>
             <p:ph idx="1" type="body"/>
@@ -962,12 +964,12 @@
 </p:notes>
 </file>
 
-<file path=ppt/notesSlides/notesSlide5.xml><?xml version="1.0" encoding="utf-8"?>
+<file path=ppt/notesSlides/notesSlide3.xml><?xml version="1.0" encoding="utf-8"?>
 <p:notes xmlns:a="http://schemas.openxmlformats.org/drawingml/2006/main" xmlns:r="http://schemas.openxmlformats.org/officeDocument/2006/relationships" xmlns:mc="http://schemas.openxmlformats.org/markup-compatibility/2006" xmlns:mv="urn:schemas-microsoft-com:mac:vml" xmlns:p="http://schemas.openxmlformats.org/presentationml/2006/main" xmlns:c="http://schemas.openxmlformats.org/drawingml/2006/chart" xmlns:dgm="http://schemas.openxmlformats.org/drawingml/2006/diagram" xmlns:o="urn:schemas-microsoft-com:office:office" xmlns:v="urn:schemas-microsoft-com:vml" xmlns:pvml="urn:schemas-microsoft-com:office:powerpoint" xmlns:com="http://schemas.openxmlformats.org/drawingml/2006/compatibility" xmlns:p14="http://schemas.microsoft.com/office/powerpoint/2010/main" showMasterPhAnim="0" showMasterSp="0">
   <p:cSld>
     <p:spTree>
       <p:nvGrpSpPr>
-        <p:cNvPr id="83" name="Shape 83"/>
+        <p:cNvPr id="71" name="Shape 71"/>
         <p:cNvGrpSpPr/>
         <p:nvPr/>
       </p:nvGrpSpPr>
@@ -981,7 +983,7 @@
       </p:grpSpPr>
       <p:sp>
         <p:nvSpPr>
-          <p:cNvPr id="84" name="Shape 84"/>
+          <p:cNvPr id="72" name="Shape 72"/>
           <p:cNvSpPr/>
           <p:nvPr>
             <p:ph idx="2" type="sldImg"/>
@@ -1015,7 +1017,7 @@
       </p:sp>
       <p:sp>
         <p:nvSpPr>
-          <p:cNvPr id="85" name="Shape 85"/>
+          <p:cNvPr id="73" name="Shape 73"/>
           <p:cNvSpPr txBox="1"/>
           <p:nvPr>
             <p:ph idx="1" type="body"/>
@@ -1057,12 +1059,12 @@
 </p:notes>
 </file>
 
-<file path=ppt/notesSlides/notesSlide6.xml><?xml version="1.0" encoding="utf-8"?>
+<file path=ppt/notesSlides/notesSlide4.xml><?xml version="1.0" encoding="utf-8"?>
 <p:notes xmlns:a="http://schemas.openxmlformats.org/drawingml/2006/main" xmlns:r="http://schemas.openxmlformats.org/officeDocument/2006/relationships" xmlns:mc="http://schemas.openxmlformats.org/markup-compatibility/2006" xmlns:mv="urn:schemas-microsoft-com:mac:vml" xmlns:p="http://schemas.openxmlformats.org/presentationml/2006/main" xmlns:c="http://schemas.openxmlformats.org/drawingml/2006/chart" xmlns:dgm="http://schemas.openxmlformats.org/drawingml/2006/diagram" xmlns:o="urn:schemas-microsoft-com:office:office" xmlns:v="urn:schemas-microsoft-com:vml" xmlns:pvml="urn:schemas-microsoft-com:office:powerpoint" xmlns:com="http://schemas.openxmlformats.org/drawingml/2006/compatibility" xmlns:p14="http://schemas.microsoft.com/office/powerpoint/2010/main" showMasterPhAnim="0" showMasterSp="0">
   <p:cSld>
     <p:spTree>
       <p:nvGrpSpPr>
-        <p:cNvPr id="90" name="Shape 90"/>
+        <p:cNvPr id="77" name="Shape 77"/>
         <p:cNvGrpSpPr/>
         <p:nvPr/>
       </p:nvGrpSpPr>
@@ -1076,7 +1078,7 @@
       </p:grpSpPr>
       <p:sp>
         <p:nvSpPr>
-          <p:cNvPr id="91" name="Shape 91"/>
+          <p:cNvPr id="78" name="Shape 78"/>
           <p:cNvSpPr/>
           <p:nvPr>
             <p:ph idx="2" type="sldImg"/>
@@ -1110,7 +1112,7 @@
       </p:sp>
       <p:sp>
         <p:nvSpPr>
-          <p:cNvPr id="92" name="Shape 92"/>
+          <p:cNvPr id="79" name="Shape 79"/>
           <p:cNvSpPr txBox="1"/>
           <p:nvPr>
             <p:ph idx="1" type="body"/>
@@ -1152,12 +1154,12 @@
 </p:notes>
 </file>
 
-<file path=ppt/notesSlides/notesSlide7.xml><?xml version="1.0" encoding="utf-8"?>
+<file path=ppt/notesSlides/notesSlide5.xml><?xml version="1.0" encoding="utf-8"?>
 <p:notes xmlns:a="http://schemas.openxmlformats.org/drawingml/2006/main" xmlns:r="http://schemas.openxmlformats.org/officeDocument/2006/relationships" xmlns:mc="http://schemas.openxmlformats.org/markup-compatibility/2006" xmlns:mv="urn:schemas-microsoft-com:mac:vml" xmlns:p="http://schemas.openxmlformats.org/presentationml/2006/main" xmlns:c="http://schemas.openxmlformats.org/drawingml/2006/chart" xmlns:dgm="http://schemas.openxmlformats.org/drawingml/2006/diagram" xmlns:o="urn:schemas-microsoft-com:office:office" xmlns:v="urn:schemas-microsoft-com:vml" xmlns:pvml="urn:schemas-microsoft-com:office:powerpoint" xmlns:com="http://schemas.openxmlformats.org/drawingml/2006/compatibility" xmlns:p14="http://schemas.microsoft.com/office/powerpoint/2010/main" showMasterPhAnim="0" showMasterSp="0">
   <p:cSld>
     <p:spTree>
       <p:nvGrpSpPr>
-        <p:cNvPr id="96" name="Shape 96"/>
+        <p:cNvPr id="84" name="Shape 84"/>
         <p:cNvGrpSpPr/>
         <p:nvPr/>
       </p:nvGrpSpPr>
@@ -1171,7 +1173,7 @@
       </p:grpSpPr>
       <p:sp>
         <p:nvSpPr>
-          <p:cNvPr id="97" name="Shape 97"/>
+          <p:cNvPr id="85" name="Shape 85"/>
           <p:cNvSpPr/>
           <p:nvPr>
             <p:ph idx="2" type="sldImg"/>
@@ -1205,7 +1207,7 @@
       </p:sp>
       <p:sp>
         <p:nvSpPr>
-          <p:cNvPr id="98" name="Shape 98"/>
+          <p:cNvPr id="86" name="Shape 86"/>
           <p:cNvSpPr txBox="1"/>
           <p:nvPr>
             <p:ph idx="1" type="body"/>
@@ -1226,7 +1228,7 @@
           </a:bodyPr>
           <a:lstStyle/>
           <a:p>
-            <a:pPr lvl="0" rtl="0">
+            <a:pPr lvl="0">
               <a:spcBef>
                 <a:spcPts val="0"/>
               </a:spcBef>
@@ -1247,12 +1249,12 @@
 </p:notes>
 </file>
 
-<file path=ppt/notesSlides/notesSlide8.xml><?xml version="1.0" encoding="utf-8"?>
+<file path=ppt/notesSlides/notesSlide6.xml><?xml version="1.0" encoding="utf-8"?>
 <p:notes xmlns:a="http://schemas.openxmlformats.org/drawingml/2006/main" xmlns:r="http://schemas.openxmlformats.org/officeDocument/2006/relationships" xmlns:mc="http://schemas.openxmlformats.org/markup-compatibility/2006" xmlns:mv="urn:schemas-microsoft-com:mac:vml" xmlns:p="http://schemas.openxmlformats.org/presentationml/2006/main" xmlns:c="http://schemas.openxmlformats.org/drawingml/2006/chart" xmlns:dgm="http://schemas.openxmlformats.org/drawingml/2006/diagram" xmlns:o="urn:schemas-microsoft-com:office:office" xmlns:v="urn:schemas-microsoft-com:vml" xmlns:pvml="urn:schemas-microsoft-com:office:powerpoint" xmlns:com="http://schemas.openxmlformats.org/drawingml/2006/compatibility" xmlns:p14="http://schemas.microsoft.com/office/powerpoint/2010/main" showMasterPhAnim="0" showMasterSp="0">
   <p:cSld>
     <p:spTree>
       <p:nvGrpSpPr>
-        <p:cNvPr id="102" name="Shape 102"/>
+        <p:cNvPr id="91" name="Shape 91"/>
         <p:cNvGrpSpPr/>
         <p:nvPr/>
       </p:nvGrpSpPr>
@@ -1266,7 +1268,7 @@
       </p:grpSpPr>
       <p:sp>
         <p:nvSpPr>
-          <p:cNvPr id="103" name="Shape 103"/>
+          <p:cNvPr id="92" name="Shape 92"/>
           <p:cNvSpPr/>
           <p:nvPr>
             <p:ph idx="2" type="sldImg"/>
@@ -1300,7 +1302,7 @@
       </p:sp>
       <p:sp>
         <p:nvSpPr>
-          <p:cNvPr id="104" name="Shape 104"/>
+          <p:cNvPr id="93" name="Shape 93"/>
           <p:cNvSpPr txBox="1"/>
           <p:nvPr>
             <p:ph idx="1" type="body"/>
@@ -1342,12 +1344,12 @@
 </p:notes>
 </file>
 
-<file path=ppt/notesSlides/notesSlide9.xml><?xml version="1.0" encoding="utf-8"?>
+<file path=ppt/notesSlides/notesSlide7.xml><?xml version="1.0" encoding="utf-8"?>
 <p:notes xmlns:a="http://schemas.openxmlformats.org/drawingml/2006/main" xmlns:r="http://schemas.openxmlformats.org/officeDocument/2006/relationships" xmlns:mc="http://schemas.openxmlformats.org/markup-compatibility/2006" xmlns:mv="urn:schemas-microsoft-com:mac:vml" xmlns:p="http://schemas.openxmlformats.org/presentationml/2006/main" xmlns:c="http://schemas.openxmlformats.org/drawingml/2006/chart" xmlns:dgm="http://schemas.openxmlformats.org/drawingml/2006/diagram" xmlns:o="urn:schemas-microsoft-com:office:office" xmlns:v="urn:schemas-microsoft-com:vml" xmlns:pvml="urn:schemas-microsoft-com:office:powerpoint" xmlns:com="http://schemas.openxmlformats.org/drawingml/2006/compatibility" xmlns:p14="http://schemas.microsoft.com/office/powerpoint/2010/main" showMasterPhAnim="0" showMasterSp="0">
   <p:cSld>
     <p:spTree>
       <p:nvGrpSpPr>
-        <p:cNvPr id="108" name="Shape 108"/>
+        <p:cNvPr id="97" name="Shape 97"/>
         <p:cNvGrpSpPr/>
         <p:nvPr/>
       </p:nvGrpSpPr>
@@ -1361,7 +1363,7 @@
       </p:grpSpPr>
       <p:sp>
         <p:nvSpPr>
-          <p:cNvPr id="109" name="Shape 109"/>
+          <p:cNvPr id="98" name="Shape 98"/>
           <p:cNvSpPr/>
           <p:nvPr>
             <p:ph idx="2" type="sldImg"/>
@@ -1395,7 +1397,197 @@
       </p:sp>
       <p:sp>
         <p:nvSpPr>
+          <p:cNvPr id="99" name="Shape 99"/>
+          <p:cNvSpPr txBox="1"/>
+          <p:nvPr>
+            <p:ph idx="1" type="body"/>
+          </p:nvPr>
+        </p:nvSpPr>
+        <p:spPr>
+          <a:xfrm>
+            <a:off x="685800" y="4343400"/>
+            <a:ext cx="5486400" cy="4114800"/>
+          </a:xfrm>
+          <a:prstGeom prst="rect">
+            <a:avLst/>
+          </a:prstGeom>
+        </p:spPr>
+        <p:txBody>
+          <a:bodyPr anchorCtr="0" anchor="t" bIns="91425" lIns="91425" rIns="91425" tIns="91425">
+            <a:noAutofit/>
+          </a:bodyPr>
+          <a:lstStyle/>
+          <a:p>
+            <a:pPr lvl="0" rtl="0">
+              <a:spcBef>
+                <a:spcPts val="0"/>
+              </a:spcBef>
+              <a:buNone/>
+            </a:pPr>
+            <a:r>
+              <a:t/>
+            </a:r>
+            <a:endParaRPr/>
+          </a:p>
+        </p:txBody>
+      </p:sp>
+    </p:spTree>
+  </p:cSld>
+  <p:clrMapOvr>
+    <a:masterClrMapping/>
+  </p:clrMapOvr>
+</p:notes>
+</file>
+
+<file path=ppt/notesSlides/notesSlide8.xml><?xml version="1.0" encoding="utf-8"?>
+<p:notes xmlns:a="http://schemas.openxmlformats.org/drawingml/2006/main" xmlns:r="http://schemas.openxmlformats.org/officeDocument/2006/relationships" xmlns:mc="http://schemas.openxmlformats.org/markup-compatibility/2006" xmlns:mv="urn:schemas-microsoft-com:mac:vml" xmlns:p="http://schemas.openxmlformats.org/presentationml/2006/main" xmlns:c="http://schemas.openxmlformats.org/drawingml/2006/chart" xmlns:dgm="http://schemas.openxmlformats.org/drawingml/2006/diagram" xmlns:o="urn:schemas-microsoft-com:office:office" xmlns:v="urn:schemas-microsoft-com:vml" xmlns:pvml="urn:schemas-microsoft-com:office:powerpoint" xmlns:com="http://schemas.openxmlformats.org/drawingml/2006/compatibility" xmlns:p14="http://schemas.microsoft.com/office/powerpoint/2010/main" showMasterPhAnim="0" showMasterSp="0">
+  <p:cSld>
+    <p:spTree>
+      <p:nvGrpSpPr>
+        <p:cNvPr id="103" name="Shape 103"/>
+        <p:cNvGrpSpPr/>
+        <p:nvPr/>
+      </p:nvGrpSpPr>
+      <p:grpSpPr>
+        <a:xfrm>
+          <a:off x="0" y="0"/>
+          <a:ext cx="0" cy="0"/>
+          <a:chOff x="0" y="0"/>
+          <a:chExt cx="0" cy="0"/>
+        </a:xfrm>
+      </p:grpSpPr>
+      <p:sp>
+        <p:nvSpPr>
+          <p:cNvPr id="104" name="Shape 104"/>
+          <p:cNvSpPr/>
+          <p:nvPr>
+            <p:ph idx="2" type="sldImg"/>
+          </p:nvPr>
+        </p:nvSpPr>
+        <p:spPr>
+          <a:xfrm>
+            <a:off x="381300" y="685800"/>
+            <a:ext cx="6096000" cy="3429000"/>
+          </a:xfrm>
+          <a:custGeom>
+            <a:pathLst>
+              <a:path extrusionOk="0" h="120000" w="120000">
+                <a:moveTo>
+                  <a:pt x="0" y="0"/>
+                </a:moveTo>
+                <a:lnTo>
+                  <a:pt x="120000" y="0"/>
+                </a:lnTo>
+                <a:lnTo>
+                  <a:pt x="120000" y="120000"/>
+                </a:lnTo>
+                <a:lnTo>
+                  <a:pt x="0" y="120000"/>
+                </a:lnTo>
+                <a:close/>
+              </a:path>
+            </a:pathLst>
+          </a:custGeom>
+        </p:spPr>
+      </p:sp>
+      <p:sp>
+        <p:nvSpPr>
+          <p:cNvPr id="105" name="Shape 105"/>
+          <p:cNvSpPr txBox="1"/>
+          <p:nvPr>
+            <p:ph idx="1" type="body"/>
+          </p:nvPr>
+        </p:nvSpPr>
+        <p:spPr>
+          <a:xfrm>
+            <a:off x="685800" y="4343400"/>
+            <a:ext cx="5486400" cy="4114800"/>
+          </a:xfrm>
+          <a:prstGeom prst="rect">
+            <a:avLst/>
+          </a:prstGeom>
+        </p:spPr>
+        <p:txBody>
+          <a:bodyPr anchorCtr="0" anchor="t" bIns="91425" lIns="91425" rIns="91425" tIns="91425">
+            <a:noAutofit/>
+          </a:bodyPr>
+          <a:lstStyle/>
+          <a:p>
+            <a:pPr lvl="0">
+              <a:spcBef>
+                <a:spcPts val="0"/>
+              </a:spcBef>
+              <a:buNone/>
+            </a:pPr>
+            <a:r>
+              <a:t/>
+            </a:r>
+            <a:endParaRPr/>
+          </a:p>
+        </p:txBody>
+      </p:sp>
+    </p:spTree>
+  </p:cSld>
+  <p:clrMapOvr>
+    <a:masterClrMapping/>
+  </p:clrMapOvr>
+</p:notes>
+</file>
+
+<file path=ppt/notesSlides/notesSlide9.xml><?xml version="1.0" encoding="utf-8"?>
+<p:notes xmlns:a="http://schemas.openxmlformats.org/drawingml/2006/main" xmlns:r="http://schemas.openxmlformats.org/officeDocument/2006/relationships" xmlns:mc="http://schemas.openxmlformats.org/markup-compatibility/2006" xmlns:mv="urn:schemas-microsoft-com:mac:vml" xmlns:p="http://schemas.openxmlformats.org/presentationml/2006/main" xmlns:c="http://schemas.openxmlformats.org/drawingml/2006/chart" xmlns:dgm="http://schemas.openxmlformats.org/drawingml/2006/diagram" xmlns:o="urn:schemas-microsoft-com:office:office" xmlns:v="urn:schemas-microsoft-com:vml" xmlns:pvml="urn:schemas-microsoft-com:office:powerpoint" xmlns:com="http://schemas.openxmlformats.org/drawingml/2006/compatibility" xmlns:p14="http://schemas.microsoft.com/office/powerpoint/2010/main" showMasterPhAnim="0" showMasterSp="0">
+  <p:cSld>
+    <p:spTree>
+      <p:nvGrpSpPr>
+        <p:cNvPr id="109" name="Shape 109"/>
+        <p:cNvGrpSpPr/>
+        <p:nvPr/>
+      </p:nvGrpSpPr>
+      <p:grpSpPr>
+        <a:xfrm>
+          <a:off x="0" y="0"/>
+          <a:ext cx="0" cy="0"/>
+          <a:chOff x="0" y="0"/>
+          <a:chExt cx="0" cy="0"/>
+        </a:xfrm>
+      </p:grpSpPr>
+      <p:sp>
+        <p:nvSpPr>
           <p:cNvPr id="110" name="Shape 110"/>
+          <p:cNvSpPr/>
+          <p:nvPr>
+            <p:ph idx="2" type="sldImg"/>
+          </p:nvPr>
+        </p:nvSpPr>
+        <p:spPr>
+          <a:xfrm>
+            <a:off x="381300" y="685800"/>
+            <a:ext cx="6096000" cy="3429000"/>
+          </a:xfrm>
+          <a:custGeom>
+            <a:pathLst>
+              <a:path extrusionOk="0" h="120000" w="120000">
+                <a:moveTo>
+                  <a:pt x="0" y="0"/>
+                </a:moveTo>
+                <a:lnTo>
+                  <a:pt x="120000" y="0"/>
+                </a:lnTo>
+                <a:lnTo>
+                  <a:pt x="120000" y="120000"/>
+                </a:lnTo>
+                <a:lnTo>
+                  <a:pt x="0" y="120000"/>
+                </a:lnTo>
+                <a:close/>
+              </a:path>
+            </a:pathLst>
+          </a:custGeom>
+        </p:spPr>
+      </p:sp>
+      <p:sp>
+        <p:nvSpPr>
+          <p:cNvPr id="111" name="Shape 111"/>
           <p:cNvSpPr txBox="1"/>
           <p:nvPr>
             <p:ph idx="1" type="body"/>
@@ -5339,8 +5531,8 @@
         </p:nvSpPr>
         <p:spPr>
           <a:xfrm>
-            <a:off x="3044700" y="1444255"/>
-            <a:ext cx="3054600" cy="1537199"/>
+            <a:off x="2856425" y="1854050"/>
+            <a:ext cx="3198900" cy="434100"/>
           </a:xfrm>
           <a:prstGeom prst="rect">
             <a:avLst/>
@@ -5352,7 +5544,7 @@
           </a:bodyPr>
           <a:lstStyle/>
           <a:p>
-            <a:pPr lvl="0">
+            <a:pPr lvl="0" rtl="0" algn="l">
               <a:spcBef>
                 <a:spcPts val="0"/>
               </a:spcBef>
@@ -5360,7 +5552,27 @@
             </a:pPr>
             <a:r>
               <a:rPr lang="en"/>
-              <a:t>Web Scraping and EDA on Indeed.com</a:t>
+              <a:t>Get Your Job </a:t>
+            </a:r>
+            <a:r>
+              <a:rPr lang="en" sz="1200"/>
+              <a:t>data</a:t>
+            </a:r>
+          </a:p>
+          <a:p>
+            <a:pPr lvl="0" algn="l">
+              <a:spcBef>
+                <a:spcPts val="0"/>
+              </a:spcBef>
+              <a:buNone/>
+            </a:pPr>
+            <a:r>
+              <a:rPr lang="en" sz="3600"/>
+              <a:t>@Indeed.com </a:t>
+            </a:r>
+            <a:r>
+              <a:rPr lang="en" sz="1200"/>
+              <a:t>via scrapy data &amp; EDA</a:t>
             </a:r>
           </a:p>
         </p:txBody>
@@ -5375,8 +5587,8 @@
         </p:nvSpPr>
         <p:spPr>
           <a:xfrm>
-            <a:off x="3044700" y="3116580"/>
-            <a:ext cx="3054600" cy="701400"/>
+            <a:off x="3012300" y="3014125"/>
+            <a:ext cx="2615700" cy="305700"/>
           </a:xfrm>
           <a:prstGeom prst="rect">
             <a:avLst/>
@@ -5395,9 +5607,47 @@
               <a:buNone/>
             </a:pPr>
             <a:r>
-              <a:rPr lang="en"/>
-              <a:t>By Drace Zhan</a:t>
+              <a:rPr lang="en" sz="1400">
+                <a:latin typeface="Times New Roman"/>
+                <a:ea typeface="Times New Roman"/>
+                <a:cs typeface="Times New Roman"/>
+                <a:sym typeface="Times New Roman"/>
+              </a:rPr>
+              <a:t>Drace Zhan</a:t>
             </a:r>
+          </a:p>
+          <a:p>
+            <a:pPr lvl="0">
+              <a:spcBef>
+                <a:spcPts val="0"/>
+              </a:spcBef>
+              <a:buNone/>
+            </a:pPr>
+            <a:r>
+              <a:rPr lang="en" sz="1200" u="sng">
+                <a:solidFill>
+                  <a:srgbClr val="0000FF"/>
+                </a:solidFill>
+                <a:hlinkClick r:id="rId3"/>
+              </a:rPr>
+              <a:t>dracezhan@gmail.com</a:t>
+            </a:r>
+          </a:p>
+          <a:p>
+            <a:pPr lvl="0">
+              <a:spcBef>
+                <a:spcPts val="0"/>
+              </a:spcBef>
+              <a:buNone/>
+            </a:pPr>
+            <a:r>
+              <a:t/>
+            </a:r>
+            <a:endParaRPr sz="1200">
+              <a:solidFill>
+                <a:srgbClr val="0000FF"/>
+              </a:solidFill>
+            </a:endParaRPr>
           </a:p>
           <a:p>
             <a:pPr lvl="0">
@@ -5410,6 +5660,115 @@
               <a:t/>
             </a:r>
             <a:endParaRPr/>
+          </a:p>
+        </p:txBody>
+      </p:sp>
+      <p:sp>
+        <p:nvSpPr>
+          <p:cNvPr id="64" name="Shape 64"/>
+          <p:cNvSpPr txBox="1"/>
+          <p:nvPr/>
+        </p:nvSpPr>
+        <p:spPr>
+          <a:xfrm>
+            <a:off x="6516475" y="4262325"/>
+            <a:ext cx="2322300" cy="305700"/>
+          </a:xfrm>
+          <a:prstGeom prst="rect">
+            <a:avLst/>
+          </a:prstGeom>
+          <a:noFill/>
+          <a:ln>
+            <a:noFill/>
+          </a:ln>
+        </p:spPr>
+        <p:txBody>
+          <a:bodyPr anchorCtr="0" anchor="t" bIns="91425" lIns="91425" rIns="91425" tIns="91425">
+            <a:noAutofit/>
+          </a:bodyPr>
+          <a:lstStyle/>
+          <a:p>
+            <a:pPr lvl="0">
+              <a:spcBef>
+                <a:spcPts val="0"/>
+              </a:spcBef>
+              <a:buNone/>
+            </a:pPr>
+            <a:r>
+              <a:rPr lang="en" sz="1000" u="sng">
+                <a:solidFill>
+                  <a:srgbClr val="0000FF"/>
+                </a:solidFill>
+                <a:latin typeface="Times New Roman"/>
+                <a:ea typeface="Times New Roman"/>
+                <a:cs typeface="Times New Roman"/>
+                <a:sym typeface="Times New Roman"/>
+                <a:hlinkClick r:id="rId4"/>
+              </a:rPr>
+              <a:t>https://www.linkedin.com/in/dracezhan</a:t>
+            </a:r>
+          </a:p>
+          <a:p>
+            <a:pPr lvl="0">
+              <a:spcBef>
+                <a:spcPts val="0"/>
+              </a:spcBef>
+              <a:buNone/>
+            </a:pPr>
+            <a:r>
+              <a:rPr lang="en" sz="1000" u="sng">
+                <a:solidFill>
+                  <a:srgbClr val="0000FF"/>
+                </a:solidFill>
+                <a:latin typeface="Times New Roman"/>
+                <a:ea typeface="Times New Roman"/>
+                <a:cs typeface="Times New Roman"/>
+                <a:sym typeface="Times New Roman"/>
+                <a:hlinkClick r:id="rId5"/>
+              </a:rPr>
+              <a:t>https://twitter.com/DraceZhan</a:t>
+            </a:r>
+          </a:p>
+          <a:p>
+            <a:pPr lvl="0">
+              <a:spcBef>
+                <a:spcPts val="0"/>
+              </a:spcBef>
+              <a:buNone/>
+            </a:pPr>
+            <a:r>
+              <a:rPr lang="en" sz="1000" u="sng">
+                <a:solidFill>
+                  <a:srgbClr val="0000FF"/>
+                </a:solidFill>
+                <a:latin typeface="Times New Roman"/>
+                <a:ea typeface="Times New Roman"/>
+                <a:cs typeface="Times New Roman"/>
+                <a:sym typeface="Times New Roman"/>
+                <a:hlinkClick r:id="rId6"/>
+              </a:rPr>
+              <a:t>https://github.com/DraceZhan/</a:t>
+            </a:r>
+          </a:p>
+          <a:p>
+            <a:pPr lvl="0">
+              <a:spcBef>
+                <a:spcPts val="0"/>
+              </a:spcBef>
+              <a:buNone/>
+            </a:pPr>
+            <a:r>
+              <a:t/>
+            </a:r>
+            <a:endParaRPr sz="1000">
+              <a:solidFill>
+                <a:srgbClr val="0000FF"/>
+              </a:solidFill>
+              <a:latin typeface="Times New Roman"/>
+              <a:ea typeface="Times New Roman"/>
+              <a:cs typeface="Times New Roman"/>
+              <a:sym typeface="Times New Roman"/>
+            </a:endParaRPr>
           </a:p>
         </p:txBody>
       </p:sp>
@@ -5436,7 +5795,7 @@
     </p:bg>
     <p:spTree>
       <p:nvGrpSpPr>
-        <p:cNvPr id="118" name="Shape 118"/>
+        <p:cNvPr id="119" name="Shape 119"/>
         <p:cNvGrpSpPr/>
         <p:nvPr/>
       </p:nvGrpSpPr>
@@ -5450,7 +5809,7 @@
       </p:grpSpPr>
       <p:sp>
         <p:nvSpPr>
-          <p:cNvPr id="119" name="Shape 119"/>
+          <p:cNvPr id="120" name="Shape 120"/>
           <p:cNvSpPr txBox="1"/>
           <p:nvPr>
             <p:ph type="title"/>
@@ -5508,7 +5867,7 @@
       </p:sp>
       <p:pic>
         <p:nvPicPr>
-          <p:cNvPr id="120" name="Shape 120"/>
+          <p:cNvPr id="121" name="Shape 121"/>
           <p:cNvPicPr preferRelativeResize="0"/>
           <p:nvPr/>
         </p:nvPicPr>
@@ -5550,7 +5909,7 @@
   <p:cSld>
     <p:spTree>
       <p:nvGrpSpPr>
-        <p:cNvPr id="124" name="Shape 124"/>
+        <p:cNvPr id="125" name="Shape 125"/>
         <p:cNvGrpSpPr/>
         <p:nvPr/>
       </p:nvGrpSpPr>
@@ -5564,7 +5923,7 @@
       </p:grpSpPr>
       <p:sp>
         <p:nvSpPr>
-          <p:cNvPr id="125" name="Shape 125"/>
+          <p:cNvPr id="126" name="Shape 126"/>
           <p:cNvSpPr txBox="1"/>
           <p:nvPr>
             <p:ph type="title"/>
@@ -5624,7 +5983,7 @@
       </p:sp>
       <p:pic>
         <p:nvPicPr>
-          <p:cNvPr id="126" name="Shape 126"/>
+          <p:cNvPr id="127" name="Shape 127"/>
           <p:cNvPicPr preferRelativeResize="0"/>
           <p:nvPr/>
         </p:nvPicPr>
@@ -5650,6 +6009,255 @@
           </a:ln>
         </p:spPr>
       </p:pic>
+    </p:spTree>
+  </p:cSld>
+  <p:clrMapOvr>
+    <a:masterClrMapping/>
+  </p:clrMapOvr>
+  <mc:AlternateContent>
+    <mc:Choice Requires="p14">
+      <p:transition spd="slow">
+        <p14:flip dir="l"/>
+      </p:transition>
+    </mc:Choice>
+    <mc:Fallback>
+      <p:transition spd="slow">
+        <p:fade/>
+      </p:transition>
+    </mc:Fallback>
+  </mc:AlternateContent>
+</p:sld>
+</file>
+
+<file path=ppt/slides/slide12.xml><?xml version="1.0" encoding="utf-8"?>
+<p:sld xmlns:a="http://schemas.openxmlformats.org/drawingml/2006/main" xmlns:r="http://schemas.openxmlformats.org/officeDocument/2006/relationships" xmlns:mc="http://schemas.openxmlformats.org/markup-compatibility/2006" xmlns:mv="urn:schemas-microsoft-com:mac:vml" xmlns:p="http://schemas.openxmlformats.org/presentationml/2006/main" xmlns:c="http://schemas.openxmlformats.org/drawingml/2006/chart" xmlns:dgm="http://schemas.openxmlformats.org/drawingml/2006/diagram" xmlns:o="urn:schemas-microsoft-com:office:office" xmlns:v="urn:schemas-microsoft-com:vml" xmlns:pvml="urn:schemas-microsoft-com:office:powerpoint" xmlns:com="http://schemas.openxmlformats.org/drawingml/2006/compatibility" xmlns:p14="http://schemas.microsoft.com/office/powerpoint/2010/main">
+  <p:cSld>
+    <p:spTree>
+      <p:nvGrpSpPr>
+        <p:cNvPr id="131" name="Shape 131"/>
+        <p:cNvGrpSpPr/>
+        <p:nvPr/>
+      </p:nvGrpSpPr>
+      <p:grpSpPr>
+        <a:xfrm>
+          <a:off x="0" y="0"/>
+          <a:ext cx="0" cy="0"/>
+          <a:chOff x="0" y="0"/>
+          <a:chExt cx="0" cy="0"/>
+        </a:xfrm>
+      </p:grpSpPr>
+      <p:sp>
+        <p:nvSpPr>
+          <p:cNvPr id="132" name="Shape 132"/>
+          <p:cNvSpPr txBox="1"/>
+          <p:nvPr>
+            <p:ph type="title"/>
+          </p:nvPr>
+        </p:nvSpPr>
+        <p:spPr>
+          <a:xfrm>
+            <a:off x="6004150" y="546450"/>
+            <a:ext cx="2734500" cy="1236300"/>
+          </a:xfrm>
+          <a:prstGeom prst="rect">
+            <a:avLst/>
+          </a:prstGeom>
+        </p:spPr>
+        <p:txBody>
+          <a:bodyPr anchorCtr="0" anchor="b" bIns="91425" lIns="91425" rIns="91425" tIns="91425">
+            <a:noAutofit/>
+          </a:bodyPr>
+          <a:lstStyle/>
+          <a:p>
+            <a:pPr lvl="0">
+              <a:spcBef>
+                <a:spcPts val="0"/>
+              </a:spcBef>
+              <a:buNone/>
+            </a:pPr>
+            <a:r>
+              <a:rPr lang="en" sz="2400"/>
+              <a:t>Additional Plots &amp; Thoughts for the future analysis …</a:t>
+            </a:r>
+            <a:r>
+              <a:rPr lang="en" sz="2400"/>
+              <a:t> </a:t>
+            </a:r>
+          </a:p>
+        </p:txBody>
+      </p:sp>
+      <p:pic>
+        <p:nvPicPr>
+          <p:cNvPr id="133" name="Shape 133"/>
+          <p:cNvPicPr preferRelativeResize="0"/>
+          <p:nvPr/>
+        </p:nvPicPr>
+        <p:blipFill>
+          <a:blip r:embed="rId3">
+            <a:alphaModFix/>
+          </a:blip>
+          <a:stretch>
+            <a:fillRect/>
+          </a:stretch>
+        </p:blipFill>
+        <p:spPr>
+          <a:xfrm>
+            <a:off x="476699" y="82000"/>
+            <a:ext cx="4571176" cy="4495851"/>
+          </a:xfrm>
+          <a:prstGeom prst="rect">
+            <a:avLst/>
+          </a:prstGeom>
+          <a:noFill/>
+          <a:ln>
+            <a:noFill/>
+          </a:ln>
+        </p:spPr>
+      </p:pic>
+      <p:sp>
+        <p:nvSpPr>
+          <p:cNvPr id="134" name="Shape 134"/>
+          <p:cNvSpPr txBox="1"/>
+          <p:nvPr/>
+        </p:nvSpPr>
+        <p:spPr>
+          <a:xfrm>
+            <a:off x="5970025" y="1967250"/>
+            <a:ext cx="2466000" cy="2376900"/>
+          </a:xfrm>
+          <a:prstGeom prst="rect">
+            <a:avLst/>
+          </a:prstGeom>
+          <a:noFill/>
+          <a:ln>
+            <a:noFill/>
+          </a:ln>
+        </p:spPr>
+        <p:txBody>
+          <a:bodyPr anchorCtr="0" anchor="t" bIns="91425" lIns="91425" rIns="91425" tIns="91425">
+            <a:noAutofit/>
+          </a:bodyPr>
+          <a:lstStyle/>
+          <a:p>
+            <a:pPr lvl="0">
+              <a:spcBef>
+                <a:spcPts val="0"/>
+              </a:spcBef>
+              <a:buNone/>
+            </a:pPr>
+            <a:r>
+              <a:rPr lang="en"/>
+              <a:t>Pair Plot with linear regression of salary versus variables examined in linear regression model earlier.</a:t>
+            </a:r>
+          </a:p>
+        </p:txBody>
+      </p:sp>
+    </p:spTree>
+  </p:cSld>
+  <p:clrMapOvr>
+    <a:masterClrMapping/>
+  </p:clrMapOvr>
+  <p:transition spd="slow">
+    <p:fade/>
+  </p:transition>
+</p:sld>
+</file>
+
+<file path=ppt/slides/slide13.xml><?xml version="1.0" encoding="utf-8"?>
+<p:sld xmlns:a="http://schemas.openxmlformats.org/drawingml/2006/main" xmlns:r="http://schemas.openxmlformats.org/officeDocument/2006/relationships" xmlns:mc="http://schemas.openxmlformats.org/markup-compatibility/2006" xmlns:mv="urn:schemas-microsoft-com:mac:vml" xmlns:p="http://schemas.openxmlformats.org/presentationml/2006/main" xmlns:c="http://schemas.openxmlformats.org/drawingml/2006/chart" xmlns:dgm="http://schemas.openxmlformats.org/drawingml/2006/diagram" xmlns:o="urn:schemas-microsoft-com:office:office" xmlns:v="urn:schemas-microsoft-com:vml" xmlns:pvml="urn:schemas-microsoft-com:office:powerpoint" xmlns:com="http://schemas.openxmlformats.org/drawingml/2006/compatibility" xmlns:p14="http://schemas.microsoft.com/office/powerpoint/2010/main">
+  <p:cSld>
+    <p:spTree>
+      <p:nvGrpSpPr>
+        <p:cNvPr id="138" name="Shape 138"/>
+        <p:cNvGrpSpPr/>
+        <p:nvPr/>
+      </p:nvGrpSpPr>
+      <p:grpSpPr>
+        <a:xfrm>
+          <a:off x="0" y="0"/>
+          <a:ext cx="0" cy="0"/>
+          <a:chOff x="0" y="0"/>
+          <a:chExt cx="0" cy="0"/>
+        </a:xfrm>
+      </p:grpSpPr>
+      <p:pic>
+        <p:nvPicPr>
+          <p:cNvPr id="139" name="Shape 139"/>
+          <p:cNvPicPr preferRelativeResize="0"/>
+          <p:nvPr/>
+        </p:nvPicPr>
+        <p:blipFill>
+          <a:blip r:embed="rId3">
+            <a:alphaModFix/>
+          </a:blip>
+          <a:stretch>
+            <a:fillRect/>
+          </a:stretch>
+        </p:blipFill>
+        <p:spPr>
+          <a:xfrm>
+            <a:off x="97750" y="152400"/>
+            <a:ext cx="5574597" cy="4838698"/>
+          </a:xfrm>
+          <a:prstGeom prst="rect">
+            <a:avLst/>
+          </a:prstGeom>
+          <a:noFill/>
+          <a:ln>
+            <a:noFill/>
+          </a:ln>
+        </p:spPr>
+      </p:pic>
+      <p:sp>
+        <p:nvSpPr>
+          <p:cNvPr id="140" name="Shape 140"/>
+          <p:cNvSpPr txBox="1"/>
+          <p:nvPr/>
+        </p:nvSpPr>
+        <p:spPr>
+          <a:xfrm>
+            <a:off x="5901700" y="252750"/>
+            <a:ext cx="2723100" cy="3347100"/>
+          </a:xfrm>
+          <a:prstGeom prst="rect">
+            <a:avLst/>
+          </a:prstGeom>
+          <a:noFill/>
+          <a:ln>
+            <a:noFill/>
+          </a:ln>
+        </p:spPr>
+        <p:txBody>
+          <a:bodyPr anchorCtr="0" anchor="t" bIns="91425" lIns="91425" rIns="91425" tIns="91425">
+            <a:noAutofit/>
+          </a:bodyPr>
+          <a:lstStyle/>
+          <a:p>
+            <a:pPr lvl="0">
+              <a:spcBef>
+                <a:spcPts val="0"/>
+              </a:spcBef>
+              <a:buNone/>
+            </a:pPr>
+            <a:r>
+              <a:rPr lang="en"/>
+              <a:t>Same variables but now cut across four salary quantiles.  Notice that large quantiles cause significant errors.  If we eliminate the largest salary quantile, it should lead our model predicting more accurately but with significant loss of data.</a:t>
+            </a:r>
+          </a:p>
+          <a:p>
+            <a:pPr lvl="0">
+              <a:spcBef>
+                <a:spcPts val="0"/>
+              </a:spcBef>
+              <a:buNone/>
+            </a:pPr>
+            <a:r>
+              <a:t/>
+            </a:r>
+            <a:endParaRPr/>
+          </a:p>
+        </p:txBody>
+      </p:sp>
     </p:spTree>
   </p:cSld>
   <p:clrMapOvr>
@@ -5682,7 +6290,7 @@
     </p:bg>
     <p:spTree>
       <p:nvGrpSpPr>
-        <p:cNvPr id="67" name="Shape 67"/>
+        <p:cNvPr id="68" name="Shape 68"/>
         <p:cNvGrpSpPr/>
         <p:nvPr/>
       </p:nvGrpSpPr>
@@ -5696,7 +6304,7 @@
       </p:grpSpPr>
       <p:sp>
         <p:nvSpPr>
-          <p:cNvPr id="68" name="Shape 68"/>
+          <p:cNvPr id="69" name="Shape 69"/>
           <p:cNvSpPr txBox="1"/>
           <p:nvPr>
             <p:ph type="title"/>
@@ -5744,7 +6352,7 @@
       </p:sp>
       <p:pic>
         <p:nvPicPr>
-          <p:cNvPr descr="BestPayingJob.png" id="69" name="Shape 69"/>
+          <p:cNvPr descr="BestPayingJob.png" id="70" name="Shape 70"/>
           <p:cNvPicPr preferRelativeResize="0"/>
           <p:nvPr/>
         </p:nvPicPr>
@@ -5792,7 +6400,7 @@
     </p:bg>
     <p:spTree>
       <p:nvGrpSpPr>
-        <p:cNvPr id="73" name="Shape 73"/>
+        <p:cNvPr id="74" name="Shape 74"/>
         <p:cNvGrpSpPr/>
         <p:nvPr/>
       </p:nvGrpSpPr>
@@ -5806,7 +6414,7 @@
       </p:grpSpPr>
       <p:sp>
         <p:nvSpPr>
-          <p:cNvPr id="74" name="Shape 74"/>
+          <p:cNvPr id="75" name="Shape 75"/>
           <p:cNvSpPr txBox="1"/>
           <p:nvPr>
             <p:ph type="title"/>
@@ -5854,7 +6462,7 @@
       </p:sp>
       <p:pic>
         <p:nvPicPr>
-          <p:cNvPr id="75" name="Shape 75"/>
+          <p:cNvPr id="76" name="Shape 76"/>
           <p:cNvPicPr preferRelativeResize="0"/>
           <p:nvPr/>
         </p:nvPicPr>
@@ -5903,7 +6511,7 @@
     </p:bg>
     <p:spTree>
       <p:nvGrpSpPr>
-        <p:cNvPr id="79" name="Shape 79"/>
+        <p:cNvPr id="80" name="Shape 80"/>
         <p:cNvGrpSpPr/>
         <p:nvPr/>
       </p:nvGrpSpPr>
@@ -5917,7 +6525,7 @@
       </p:grpSpPr>
       <p:sp>
         <p:nvSpPr>
-          <p:cNvPr id="80" name="Shape 80"/>
+          <p:cNvPr id="81" name="Shape 81"/>
           <p:cNvSpPr txBox="1"/>
           <p:nvPr>
             <p:ph type="title"/>
@@ -5977,7 +6585,7 @@
       </p:sp>
       <p:pic>
         <p:nvPicPr>
-          <p:cNvPr id="81" name="Shape 81"/>
+          <p:cNvPr id="82" name="Shape 82"/>
           <p:cNvPicPr preferRelativeResize="0"/>
           <p:nvPr/>
         </p:nvPicPr>
@@ -6005,7 +6613,7 @@
       </p:pic>
       <p:pic>
         <p:nvPicPr>
-          <p:cNvPr id="82" name="Shape 82"/>
+          <p:cNvPr id="83" name="Shape 83"/>
           <p:cNvPicPr preferRelativeResize="0"/>
           <p:nvPr/>
         </p:nvPicPr>
@@ -6063,7 +6671,7 @@
     </p:bg>
     <p:spTree>
       <p:nvGrpSpPr>
-        <p:cNvPr id="86" name="Shape 86"/>
+        <p:cNvPr id="87" name="Shape 87"/>
         <p:cNvGrpSpPr/>
         <p:nvPr/>
       </p:nvGrpSpPr>
@@ -6077,7 +6685,7 @@
       </p:grpSpPr>
       <p:sp>
         <p:nvSpPr>
-          <p:cNvPr id="87" name="Shape 87"/>
+          <p:cNvPr id="88" name="Shape 88"/>
           <p:cNvSpPr txBox="1"/>
           <p:nvPr>
             <p:ph type="title"/>
@@ -6125,7 +6733,7 @@
       </p:sp>
       <p:pic>
         <p:nvPicPr>
-          <p:cNvPr id="88" name="Shape 88"/>
+          <p:cNvPr id="89" name="Shape 89"/>
           <p:cNvPicPr preferRelativeResize="0"/>
           <p:nvPr/>
         </p:nvPicPr>
@@ -6153,7 +6761,7 @@
       </p:pic>
       <p:pic>
         <p:nvPicPr>
-          <p:cNvPr id="89" name="Shape 89"/>
+          <p:cNvPr id="90" name="Shape 90"/>
           <p:cNvPicPr preferRelativeResize="0"/>
           <p:nvPr/>
         </p:nvPicPr>
@@ -6204,7 +6812,7 @@
   <p:cSld>
     <p:spTree>
       <p:nvGrpSpPr>
-        <p:cNvPr id="93" name="Shape 93"/>
+        <p:cNvPr id="94" name="Shape 94"/>
         <p:cNvGrpSpPr/>
         <p:nvPr/>
       </p:nvGrpSpPr>
@@ -6218,7 +6826,7 @@
       </p:grpSpPr>
       <p:sp>
         <p:nvSpPr>
-          <p:cNvPr id="94" name="Shape 94"/>
+          <p:cNvPr id="95" name="Shape 95"/>
           <p:cNvSpPr txBox="1"/>
           <p:nvPr>
             <p:ph type="title"/>
@@ -6268,7 +6876,7 @@
       </p:sp>
       <p:pic>
         <p:nvPicPr>
-          <p:cNvPr id="95" name="Shape 95"/>
+          <p:cNvPr id="96" name="Shape 96"/>
           <p:cNvPicPr preferRelativeResize="0"/>
           <p:nvPr/>
         </p:nvPicPr>
@@ -6319,7 +6927,7 @@
   <p:cSld>
     <p:spTree>
       <p:nvGrpSpPr>
-        <p:cNvPr id="99" name="Shape 99"/>
+        <p:cNvPr id="100" name="Shape 100"/>
         <p:cNvGrpSpPr/>
         <p:nvPr/>
       </p:nvGrpSpPr>
@@ -6333,7 +6941,7 @@
       </p:grpSpPr>
       <p:sp>
         <p:nvSpPr>
-          <p:cNvPr id="100" name="Shape 100"/>
+          <p:cNvPr id="101" name="Shape 101"/>
           <p:cNvSpPr txBox="1"/>
           <p:nvPr>
             <p:ph type="title"/>
@@ -6374,7 +6982,7 @@
       </p:sp>
       <p:pic>
         <p:nvPicPr>
-          <p:cNvPr descr="WordCloudCons.png" id="101" name="Shape 101"/>
+          <p:cNvPr descr="WordCloudCons.png" id="102" name="Shape 102"/>
           <p:cNvPicPr preferRelativeResize="0"/>
           <p:nvPr/>
         </p:nvPicPr>
@@ -6431,7 +7039,7 @@
     </p:bg>
     <p:spTree>
       <p:nvGrpSpPr>
-        <p:cNvPr id="105" name="Shape 105"/>
+        <p:cNvPr id="106" name="Shape 106"/>
         <p:cNvGrpSpPr/>
         <p:nvPr/>
       </p:nvGrpSpPr>
@@ -6445,7 +7053,7 @@
       </p:grpSpPr>
       <p:sp>
         <p:nvSpPr>
-          <p:cNvPr id="106" name="Shape 106"/>
+          <p:cNvPr id="107" name="Shape 107"/>
           <p:cNvSpPr txBox="1"/>
           <p:nvPr>
             <p:ph type="title"/>
@@ -6486,7 +7094,7 @@
       </p:sp>
       <p:pic>
         <p:nvPicPr>
-          <p:cNvPr id="107" name="Shape 107"/>
+          <p:cNvPr id="108" name="Shape 108"/>
           <p:cNvPicPr preferRelativeResize="0"/>
           <p:nvPr/>
         </p:nvPicPr>
@@ -6535,7 +7143,7 @@
     </p:bg>
     <p:spTree>
       <p:nvGrpSpPr>
-        <p:cNvPr id="111" name="Shape 111"/>
+        <p:cNvPr id="112" name="Shape 112"/>
         <p:cNvGrpSpPr/>
         <p:nvPr/>
       </p:nvGrpSpPr>
@@ -6549,7 +7157,7 @@
       </p:grpSpPr>
       <p:sp>
         <p:nvSpPr>
-          <p:cNvPr id="112" name="Shape 112"/>
+          <p:cNvPr id="113" name="Shape 113"/>
           <p:cNvSpPr txBox="1"/>
           <p:nvPr>
             <p:ph type="title"/>
@@ -6598,7 +7206,7 @@
       </p:sp>
       <p:pic>
         <p:nvPicPr>
-          <p:cNvPr descr="SalaryPredictionCoefficient.png" id="113" name="Shape 113"/>
+          <p:cNvPr descr="SalaryPredictionCoefficient.png" id="114" name="Shape 114"/>
           <p:cNvPicPr preferRelativeResize="0"/>
           <p:nvPr/>
         </p:nvPicPr>
@@ -6625,7 +7233,7 @@
       </p:pic>
       <p:pic>
         <p:nvPicPr>
-          <p:cNvPr id="114" name="Shape 114"/>
+          <p:cNvPr id="115" name="Shape 115"/>
           <p:cNvPicPr preferRelativeResize="0"/>
           <p:nvPr/>
         </p:nvPicPr>
@@ -6663,6 +7271,285 @@
 </file>
 
 <file path=ppt/theme/theme1.xml><?xml version="1.0" encoding="utf-8"?>
+<a:theme xmlns:a="http://schemas.openxmlformats.org/drawingml/2006/main" xmlns:r="http://schemas.openxmlformats.org/officeDocument/2006/relationships" name="Custom Theme">
+  <a:themeElements>
+    <a:clrScheme name="Default">
+      <a:dk1>
+        <a:srgbClr val="000000"/>
+      </a:dk1>
+      <a:lt1>
+        <a:srgbClr val="FFFFFF"/>
+      </a:lt1>
+      <a:dk2>
+        <a:srgbClr val="158158"/>
+      </a:dk2>
+      <a:lt2>
+        <a:srgbClr val="F3F3F3"/>
+      </a:lt2>
+      <a:accent1>
+        <a:srgbClr val="058DC7"/>
+      </a:accent1>
+      <a:accent2>
+        <a:srgbClr val="50B432"/>
+      </a:accent2>
+      <a:accent3>
+        <a:srgbClr val="ED561B"/>
+      </a:accent3>
+      <a:accent4>
+        <a:srgbClr val="EDEF00"/>
+      </a:accent4>
+      <a:accent5>
+        <a:srgbClr val="24CBE5"/>
+      </a:accent5>
+      <a:accent6>
+        <a:srgbClr val="64E572"/>
+      </a:accent6>
+      <a:hlink>
+        <a:srgbClr val="2200CC"/>
+      </a:hlink>
+      <a:folHlink>
+        <a:srgbClr val="551A8B"/>
+      </a:folHlink>
+    </a:clrScheme>
+    <a:fontScheme name="Office">
+      <a:majorFont>
+        <a:latin typeface="Arial"/>
+        <a:ea typeface=""/>
+        <a:cs typeface=""/>
+        <a:font script="Jpan" typeface="ＭＳ Ｐゴシック"/>
+        <a:font script="Hang" typeface="맑은 고딕"/>
+        <a:font script="Hans" typeface="宋体"/>
+        <a:font script="Hant" typeface="新細明體"/>
+        <a:font script="Arab" typeface="Times New Roman"/>
+        <a:font script="Hebr" typeface="Times New Roman"/>
+        <a:font script="Thai" typeface="Angsana New"/>
+        <a:font script="Ethi" typeface="Nyala"/>
+        <a:font script="Beng" typeface="Vrinda"/>
+        <a:font script="Gujr" typeface="Shruti"/>
+        <a:font script="Khmr" typeface="MoolBoran"/>
+        <a:font script="Knda" typeface="Tunga"/>
+        <a:font script="Guru" typeface="Raavi"/>
+        <a:font script="Cans" typeface="Euphemia"/>
+        <a:font script="Cher" typeface="Plantagenet Cherokee"/>
+        <a:font script="Yiii" typeface="Microsoft Yi Baiti"/>
+        <a:font script="Tibt" typeface="Microsoft Himalaya"/>
+        <a:font script="Thaa" typeface="MV Boli"/>
+        <a:font script="Deva" typeface="Mangal"/>
+        <a:font script="Telu" typeface="Gautami"/>
+        <a:font script="Taml" typeface="Latha"/>
+        <a:font script="Syrc" typeface="Estrangelo Edessa"/>
+        <a:font script="Orya" typeface="Kalinga"/>
+        <a:font script="Mlym" typeface="Kartika"/>
+        <a:font script="Laoo" typeface="DokChampa"/>
+        <a:font script="Sinh" typeface="Iskoola Pota"/>
+        <a:font script="Mong" typeface="Mongolian Baiti"/>
+        <a:font script="Viet" typeface="Times New Roman"/>
+        <a:font script="Uigh" typeface="Microsoft Uighur"/>
+        <a:font script="Geor" typeface="Sylfaen"/>
+      </a:majorFont>
+      <a:minorFont>
+        <a:latin typeface="Arial"/>
+        <a:ea typeface=""/>
+        <a:cs typeface=""/>
+        <a:font script="Jpan" typeface="ＭＳ Ｐゴシック"/>
+        <a:font script="Hang" typeface="맑은 고딕"/>
+        <a:font script="Hans" typeface="宋体"/>
+        <a:font script="Hant" typeface="新細明體"/>
+        <a:font script="Arab" typeface="Arial"/>
+        <a:font script="Hebr" typeface="Arial"/>
+        <a:font script="Thai" typeface="Cordia New"/>
+        <a:font script="Ethi" typeface="Nyala"/>
+        <a:font script="Beng" typeface="Vrinda"/>
+        <a:font script="Gujr" typeface="Shruti"/>
+        <a:font script="Khmr" typeface="DaunPenh"/>
+        <a:font script="Knda" typeface="Tunga"/>
+        <a:font script="Guru" typeface="Raavi"/>
+        <a:font script="Cans" typeface="Euphemia"/>
+        <a:font script="Cher" typeface="Plantagenet Cherokee"/>
+        <a:font script="Yiii" typeface="Microsoft Yi Baiti"/>
+        <a:font script="Tibt" typeface="Microsoft Himalaya"/>
+        <a:font script="Thaa" typeface="MV Boli"/>
+        <a:font script="Deva" typeface="Mangal"/>
+        <a:font script="Telu" typeface="Gautami"/>
+        <a:font script="Taml" typeface="Latha"/>
+        <a:font script="Syrc" typeface="Estrangelo Edessa"/>
+        <a:font script="Orya" typeface="Kalinga"/>
+        <a:font script="Mlym" typeface="Kartika"/>
+        <a:font script="Laoo" typeface="DokChampa"/>
+        <a:font script="Sinh" typeface="Iskoola Pota"/>
+        <a:font script="Mong" typeface="Mongolian Baiti"/>
+        <a:font script="Viet" typeface="Arial"/>
+        <a:font script="Uigh" typeface="Microsoft Uighur"/>
+        <a:font script="Geor" typeface="Sylfaen"/>
+      </a:minorFont>
+    </a:fontScheme>
+    <a:fmtScheme name="Office">
+      <a:fillStyleLst>
+        <a:solidFill>
+          <a:schemeClr val="phClr"/>
+        </a:solidFill>
+        <a:gradFill rotWithShape="1">
+          <a:gsLst>
+            <a:gs pos="0">
+              <a:schemeClr val="phClr">
+                <a:tint val="50000"/>
+                <a:satMod val="300000"/>
+              </a:schemeClr>
+            </a:gs>
+            <a:gs pos="35000">
+              <a:schemeClr val="phClr">
+                <a:tint val="37000"/>
+                <a:satMod val="300000"/>
+              </a:schemeClr>
+            </a:gs>
+            <a:gs pos="100000">
+              <a:schemeClr val="phClr">
+                <a:tint val="15000"/>
+                <a:satMod val="350000"/>
+              </a:schemeClr>
+            </a:gs>
+          </a:gsLst>
+          <a:lin ang="16200000" scaled="1"/>
+        </a:gradFill>
+        <a:gradFill rotWithShape="1">
+          <a:gsLst>
+            <a:gs pos="0">
+              <a:schemeClr val="phClr">
+                <a:tint val="100000"/>
+                <a:shade val="100000"/>
+                <a:satMod val="130000"/>
+              </a:schemeClr>
+            </a:gs>
+            <a:gs pos="100000">
+              <a:schemeClr val="phClr">
+                <a:tint val="50000"/>
+                <a:shade val="100000"/>
+                <a:satMod val="350000"/>
+              </a:schemeClr>
+            </a:gs>
+          </a:gsLst>
+          <a:lin ang="16200000" scaled="0"/>
+        </a:gradFill>
+      </a:fillStyleLst>
+      <a:lnStyleLst>
+        <a:ln w="9525" cap="flat" cmpd="sng" algn="ctr">
+          <a:solidFill>
+            <a:schemeClr val="phClr">
+              <a:shade val="95000"/>
+              <a:satMod val="105000"/>
+            </a:schemeClr>
+          </a:solidFill>
+          <a:prstDash val="solid"/>
+        </a:ln>
+        <a:ln w="25400" cap="flat" cmpd="sng" algn="ctr">
+          <a:solidFill>
+            <a:schemeClr val="phClr"/>
+          </a:solidFill>
+          <a:prstDash val="solid"/>
+        </a:ln>
+        <a:ln w="38100" cap="flat" cmpd="sng" algn="ctr">
+          <a:solidFill>
+            <a:schemeClr val="phClr"/>
+          </a:solidFill>
+          <a:prstDash val="solid"/>
+        </a:ln>
+      </a:lnStyleLst>
+      <a:effectStyleLst>
+        <a:effectStyle>
+          <a:effectLst>
+            <a:outerShdw blurRad="40000" dist="20000" dir="5400000" rotWithShape="0">
+              <a:srgbClr val="000000">
+                <a:alpha val="38000"/>
+              </a:srgbClr>
+            </a:outerShdw>
+          </a:effectLst>
+        </a:effectStyle>
+        <a:effectStyle>
+          <a:effectLst>
+            <a:outerShdw blurRad="40000" dist="23000" dir="5400000" rotWithShape="0">
+              <a:srgbClr val="000000">
+                <a:alpha val="35000"/>
+              </a:srgbClr>
+            </a:outerShdw>
+          </a:effectLst>
+        </a:effectStyle>
+        <a:effectStyle>
+          <a:effectLst>
+            <a:outerShdw blurRad="40000" dist="23000" dir="5400000" rotWithShape="0">
+              <a:srgbClr val="000000">
+                <a:alpha val="35000"/>
+              </a:srgbClr>
+            </a:outerShdw>
+          </a:effectLst>
+          <a:scene3d>
+            <a:camera prst="orthographicFront">
+              <a:rot lat="0" lon="0" rev="0"/>
+            </a:camera>
+            <a:lightRig rig="threePt" dir="t">
+              <a:rot lat="0" lon="0" rev="1200000"/>
+            </a:lightRig>
+          </a:scene3d>
+          <a:sp3d>
+            <a:bevelT w="63500" h="25400"/>
+          </a:sp3d>
+        </a:effectStyle>
+      </a:effectStyleLst>
+      <a:bgFillStyleLst>
+        <a:solidFill>
+          <a:schemeClr val="phClr"/>
+        </a:solidFill>
+        <a:gradFill rotWithShape="1">
+          <a:gsLst>
+            <a:gs pos="0">
+              <a:schemeClr val="phClr">
+                <a:tint val="40000"/>
+                <a:satMod val="350000"/>
+              </a:schemeClr>
+            </a:gs>
+            <a:gs pos="40000">
+              <a:schemeClr val="phClr">
+                <a:tint val="45000"/>
+                <a:shade val="99000"/>
+                <a:satMod val="350000"/>
+              </a:schemeClr>
+            </a:gs>
+            <a:gs pos="100000">
+              <a:schemeClr val="phClr">
+                <a:shade val="20000"/>
+                <a:satMod val="255000"/>
+              </a:schemeClr>
+            </a:gs>
+          </a:gsLst>
+          <a:path path="circle">
+            <a:fillToRect l="50000" t="-80000" r="50000" b="180000"/>
+          </a:path>
+        </a:gradFill>
+        <a:gradFill rotWithShape="1">
+          <a:gsLst>
+            <a:gs pos="0">
+              <a:schemeClr val="phClr">
+                <a:tint val="80000"/>
+                <a:satMod val="300000"/>
+              </a:schemeClr>
+            </a:gs>
+            <a:gs pos="100000">
+              <a:schemeClr val="phClr">
+                <a:shade val="30000"/>
+                <a:satMod val="200000"/>
+              </a:schemeClr>
+            </a:gs>
+          </a:gsLst>
+          <a:path path="circle">
+            <a:fillToRect l="50000" t="50000" r="50000" b="50000"/>
+          </a:path>
+        </a:gradFill>
+      </a:bgFillStyleLst>
+    </a:fmtScheme>
+  </a:themeElements>
+</a:theme>
+</file>
+
+<file path=ppt/theme/theme2.xml><?xml version="1.0" encoding="utf-8"?>
 <a:theme xmlns:a="http://schemas.openxmlformats.org/drawingml/2006/main" xmlns:r="http://schemas.openxmlformats.org/officeDocument/2006/relationships" name="luxe">
   <a:themeElements>
     <a:clrScheme name="Luxe">
@@ -6939,283 +7826,4 @@
     </a:fmtScheme>
   </a:themeElements>
 </a:theme>
-</file>
-
-<file path=ppt/theme/theme2.xml><?xml version="1.0" encoding="utf-8"?>
-<a:theme xmlns:a="http://schemas.openxmlformats.org/drawingml/2006/main" xmlns:r="http://schemas.openxmlformats.org/officeDocument/2006/relationships" name="Custom Theme">
-  <a:themeElements>
-    <a:clrScheme name="Default">
-      <a:dk1>
-        <a:srgbClr val="000000"/>
-      </a:dk1>
-      <a:lt1>
-        <a:srgbClr val="FFFFFF"/>
-      </a:lt1>
-      <a:dk2>
-        <a:srgbClr val="158158"/>
-      </a:dk2>
-      <a:lt2>
-        <a:srgbClr val="F3F3F3"/>
-      </a:lt2>
-      <a:accent1>
-        <a:srgbClr val="058DC7"/>
-      </a:accent1>
-      <a:accent2>
-        <a:srgbClr val="50B432"/>
-      </a:accent2>
-      <a:accent3>
-        <a:srgbClr val="ED561B"/>
-      </a:accent3>
-      <a:accent4>
-        <a:srgbClr val="EDEF00"/>
-      </a:accent4>
-      <a:accent5>
-        <a:srgbClr val="24CBE5"/>
-      </a:accent5>
-      <a:accent6>
-        <a:srgbClr val="64E572"/>
-      </a:accent6>
-      <a:hlink>
-        <a:srgbClr val="2200CC"/>
-      </a:hlink>
-      <a:folHlink>
-        <a:srgbClr val="551A8B"/>
-      </a:folHlink>
-    </a:clrScheme>
-    <a:fontScheme name="Office">
-      <a:majorFont>
-        <a:latin typeface="Arial"/>
-        <a:ea typeface=""/>
-        <a:cs typeface=""/>
-        <a:font script="Jpan" typeface="ＭＳ Ｐゴシック"/>
-        <a:font script="Hang" typeface="맑은 고딕"/>
-        <a:font script="Hans" typeface="宋体"/>
-        <a:font script="Hant" typeface="新細明體"/>
-        <a:font script="Arab" typeface="Times New Roman"/>
-        <a:font script="Hebr" typeface="Times New Roman"/>
-        <a:font script="Thai" typeface="Angsana New"/>
-        <a:font script="Ethi" typeface="Nyala"/>
-        <a:font script="Beng" typeface="Vrinda"/>
-        <a:font script="Gujr" typeface="Shruti"/>
-        <a:font script="Khmr" typeface="MoolBoran"/>
-        <a:font script="Knda" typeface="Tunga"/>
-        <a:font script="Guru" typeface="Raavi"/>
-        <a:font script="Cans" typeface="Euphemia"/>
-        <a:font script="Cher" typeface="Plantagenet Cherokee"/>
-        <a:font script="Yiii" typeface="Microsoft Yi Baiti"/>
-        <a:font script="Tibt" typeface="Microsoft Himalaya"/>
-        <a:font script="Thaa" typeface="MV Boli"/>
-        <a:font script="Deva" typeface="Mangal"/>
-        <a:font script="Telu" typeface="Gautami"/>
-        <a:font script="Taml" typeface="Latha"/>
-        <a:font script="Syrc" typeface="Estrangelo Edessa"/>
-        <a:font script="Orya" typeface="Kalinga"/>
-        <a:font script="Mlym" typeface="Kartika"/>
-        <a:font script="Laoo" typeface="DokChampa"/>
-        <a:font script="Sinh" typeface="Iskoola Pota"/>
-        <a:font script="Mong" typeface="Mongolian Baiti"/>
-        <a:font script="Viet" typeface="Times New Roman"/>
-        <a:font script="Uigh" typeface="Microsoft Uighur"/>
-        <a:font script="Geor" typeface="Sylfaen"/>
-      </a:majorFont>
-      <a:minorFont>
-        <a:latin typeface="Arial"/>
-        <a:ea typeface=""/>
-        <a:cs typeface=""/>
-        <a:font script="Jpan" typeface="ＭＳ Ｐゴシック"/>
-        <a:font script="Hang" typeface="맑은 고딕"/>
-        <a:font script="Hans" typeface="宋体"/>
-        <a:font script="Hant" typeface="新細明體"/>
-        <a:font script="Arab" typeface="Arial"/>
-        <a:font script="Hebr" typeface="Arial"/>
-        <a:font script="Thai" typeface="Cordia New"/>
-        <a:font script="Ethi" typeface="Nyala"/>
-        <a:font script="Beng" typeface="Vrinda"/>
-        <a:font script="Gujr" typeface="Shruti"/>
-        <a:font script="Khmr" typeface="DaunPenh"/>
-        <a:font script="Knda" typeface="Tunga"/>
-        <a:font script="Guru" typeface="Raavi"/>
-        <a:font script="Cans" typeface="Euphemia"/>
-        <a:font script="Cher" typeface="Plantagenet Cherokee"/>
-        <a:font script="Yiii" typeface="Microsoft Yi Baiti"/>
-        <a:font script="Tibt" typeface="Microsoft Himalaya"/>
-        <a:font script="Thaa" typeface="MV Boli"/>
-        <a:font script="Deva" typeface="Mangal"/>
-        <a:font script="Telu" typeface="Gautami"/>
-        <a:font script="Taml" typeface="Latha"/>
-        <a:font script="Syrc" typeface="Estrangelo Edessa"/>
-        <a:font script="Orya" typeface="Kalinga"/>
-        <a:font script="Mlym" typeface="Kartika"/>
-        <a:font script="Laoo" typeface="DokChampa"/>
-        <a:font script="Sinh" typeface="Iskoola Pota"/>
-        <a:font script="Mong" typeface="Mongolian Baiti"/>
-        <a:font script="Viet" typeface="Arial"/>
-        <a:font script="Uigh" typeface="Microsoft Uighur"/>
-        <a:font script="Geor" typeface="Sylfaen"/>
-      </a:minorFont>
-    </a:fontScheme>
-    <a:fmtScheme name="Office">
-      <a:fillStyleLst>
-        <a:solidFill>
-          <a:schemeClr val="phClr"/>
-        </a:solidFill>
-        <a:gradFill rotWithShape="1">
-          <a:gsLst>
-            <a:gs pos="0">
-              <a:schemeClr val="phClr">
-                <a:tint val="50000"/>
-                <a:satMod val="300000"/>
-              </a:schemeClr>
-            </a:gs>
-            <a:gs pos="35000">
-              <a:schemeClr val="phClr">
-                <a:tint val="37000"/>
-                <a:satMod val="300000"/>
-              </a:schemeClr>
-            </a:gs>
-            <a:gs pos="100000">
-              <a:schemeClr val="phClr">
-                <a:tint val="15000"/>
-                <a:satMod val="350000"/>
-              </a:schemeClr>
-            </a:gs>
-          </a:gsLst>
-          <a:lin ang="16200000" scaled="1"/>
-        </a:gradFill>
-        <a:gradFill rotWithShape="1">
-          <a:gsLst>
-            <a:gs pos="0">
-              <a:schemeClr val="phClr">
-                <a:tint val="100000"/>
-                <a:shade val="100000"/>
-                <a:satMod val="130000"/>
-              </a:schemeClr>
-            </a:gs>
-            <a:gs pos="100000">
-              <a:schemeClr val="phClr">
-                <a:tint val="50000"/>
-                <a:shade val="100000"/>
-                <a:satMod val="350000"/>
-              </a:schemeClr>
-            </a:gs>
-          </a:gsLst>
-          <a:lin ang="16200000" scaled="0"/>
-        </a:gradFill>
-      </a:fillStyleLst>
-      <a:lnStyleLst>
-        <a:ln w="9525" cap="flat" cmpd="sng" algn="ctr">
-          <a:solidFill>
-            <a:schemeClr val="phClr">
-              <a:shade val="95000"/>
-              <a:satMod val="105000"/>
-            </a:schemeClr>
-          </a:solidFill>
-          <a:prstDash val="solid"/>
-        </a:ln>
-        <a:ln w="25400" cap="flat" cmpd="sng" algn="ctr">
-          <a:solidFill>
-            <a:schemeClr val="phClr"/>
-          </a:solidFill>
-          <a:prstDash val="solid"/>
-        </a:ln>
-        <a:ln w="38100" cap="flat" cmpd="sng" algn="ctr">
-          <a:solidFill>
-            <a:schemeClr val="phClr"/>
-          </a:solidFill>
-          <a:prstDash val="solid"/>
-        </a:ln>
-      </a:lnStyleLst>
-      <a:effectStyleLst>
-        <a:effectStyle>
-          <a:effectLst>
-            <a:outerShdw blurRad="40000" dist="20000" dir="5400000" rotWithShape="0">
-              <a:srgbClr val="000000">
-                <a:alpha val="38000"/>
-              </a:srgbClr>
-            </a:outerShdw>
-          </a:effectLst>
-        </a:effectStyle>
-        <a:effectStyle>
-          <a:effectLst>
-            <a:outerShdw blurRad="40000" dist="23000" dir="5400000" rotWithShape="0">
-              <a:srgbClr val="000000">
-                <a:alpha val="35000"/>
-              </a:srgbClr>
-            </a:outerShdw>
-          </a:effectLst>
-        </a:effectStyle>
-        <a:effectStyle>
-          <a:effectLst>
-            <a:outerShdw blurRad="40000" dist="23000" dir="5400000" rotWithShape="0">
-              <a:srgbClr val="000000">
-                <a:alpha val="35000"/>
-              </a:srgbClr>
-            </a:outerShdw>
-          </a:effectLst>
-          <a:scene3d>
-            <a:camera prst="orthographicFront">
-              <a:rot lat="0" lon="0" rev="0"/>
-            </a:camera>
-            <a:lightRig rig="threePt" dir="t">
-              <a:rot lat="0" lon="0" rev="1200000"/>
-            </a:lightRig>
-          </a:scene3d>
-          <a:sp3d>
-            <a:bevelT w="63500" h="25400"/>
-          </a:sp3d>
-        </a:effectStyle>
-      </a:effectStyleLst>
-      <a:bgFillStyleLst>
-        <a:solidFill>
-          <a:schemeClr val="phClr"/>
-        </a:solidFill>
-        <a:gradFill rotWithShape="1">
-          <a:gsLst>
-            <a:gs pos="0">
-              <a:schemeClr val="phClr">
-                <a:tint val="40000"/>
-                <a:satMod val="350000"/>
-              </a:schemeClr>
-            </a:gs>
-            <a:gs pos="40000">
-              <a:schemeClr val="phClr">
-                <a:tint val="45000"/>
-                <a:shade val="99000"/>
-                <a:satMod val="350000"/>
-              </a:schemeClr>
-            </a:gs>
-            <a:gs pos="100000">
-              <a:schemeClr val="phClr">
-                <a:shade val="20000"/>
-                <a:satMod val="255000"/>
-              </a:schemeClr>
-            </a:gs>
-          </a:gsLst>
-          <a:path path="circle">
-            <a:fillToRect l="50000" t="-80000" r="50000" b="180000"/>
-          </a:path>
-        </a:gradFill>
-        <a:gradFill rotWithShape="1">
-          <a:gsLst>
-            <a:gs pos="0">
-              <a:schemeClr val="phClr">
-                <a:tint val="80000"/>
-                <a:satMod val="300000"/>
-              </a:schemeClr>
-            </a:gs>
-            <a:gs pos="100000">
-              <a:schemeClr val="phClr">
-                <a:shade val="30000"/>
-                <a:satMod val="200000"/>
-              </a:schemeClr>
-            </a:gs>
-          </a:gsLst>
-          <a:path path="circle">
-            <a:fillToRect l="50000" t="50000" r="50000" b="50000"/>
-          </a:path>
-        </a:gradFill>
-      </a:bgFillStyleLst>
-    </a:fmtScheme>
-  </a:themeElements>
-</a:theme>
 </file>